--- a/Creative Department.pptx
+++ b/Creative Department.pptx
@@ -8,6 +8,7 @@
     <p:sldId id="256" r:id="rId2"/>
     <p:sldId id="257" r:id="rId3"/>
     <p:sldId id="258" r:id="rId4"/>
+    <p:sldId id="259" r:id="rId5"/>
   </p:sldIdLst>
   <p:sldSz cx="12192000" cy="6858000"/>
   <p:notesSz cx="6858000" cy="9144000"/>
@@ -106,6 +107,11 @@
       </a:defRPr>
     </a:lvl9pPr>
   </p:defaultTextStyle>
+  <p:extLst>
+    <p:ext uri="{EFAFB233-063F-42B5-8137-9DF3F51BA10A}">
+      <p15:sldGuideLst xmlns:p15="http://schemas.microsoft.com/office/powerpoint/2012/main"/>
+    </p:ext>
+  </p:extLst>
 </p:presentation>
 </file>
 
@@ -831,7 +837,7 @@
           <a:p>
             <a:fld id="{CC144F80-0FE3-4DEC-803A-5C2CCDD2908F}" type="datetimeFigureOut">
               <a:rPr lang="en-GB" smtClean="0"/>
-              <a:t>19/09/2018</a:t>
+              <a:t>20/09/2018</a:t>
             </a:fld>
             <a:endParaRPr lang="en-GB"/>
           </a:p>
@@ -1082,7 +1088,7 @@
           <a:p>
             <a:fld id="{CC144F80-0FE3-4DEC-803A-5C2CCDD2908F}" type="datetimeFigureOut">
               <a:rPr lang="en-GB" smtClean="0"/>
-              <a:t>19/09/2018</a:t>
+              <a:t>20/09/2018</a:t>
             </a:fld>
             <a:endParaRPr lang="en-GB"/>
           </a:p>
@@ -1396,7 +1402,7 @@
           <a:p>
             <a:fld id="{CC144F80-0FE3-4DEC-803A-5C2CCDD2908F}" type="datetimeFigureOut">
               <a:rPr lang="en-GB" smtClean="0"/>
-              <a:t>19/09/2018</a:t>
+              <a:t>20/09/2018</a:t>
             </a:fld>
             <a:endParaRPr lang="en-GB"/>
           </a:p>
@@ -1737,7 +1743,7 @@
           <a:p>
             <a:fld id="{CC144F80-0FE3-4DEC-803A-5C2CCDD2908F}" type="datetimeFigureOut">
               <a:rPr lang="en-GB" smtClean="0"/>
-              <a:t>19/09/2018</a:t>
+              <a:t>20/09/2018</a:t>
             </a:fld>
             <a:endParaRPr lang="en-GB"/>
           </a:p>
@@ -2051,7 +2057,7 @@
           <a:p>
             <a:fld id="{CC144F80-0FE3-4DEC-803A-5C2CCDD2908F}" type="datetimeFigureOut">
               <a:rPr lang="en-GB" smtClean="0"/>
-              <a:t>19/09/2018</a:t>
+              <a:t>20/09/2018</a:t>
             </a:fld>
             <a:endParaRPr lang="en-GB"/>
           </a:p>
@@ -2444,7 +2450,7 @@
           <a:p>
             <a:fld id="{CC144F80-0FE3-4DEC-803A-5C2CCDD2908F}" type="datetimeFigureOut">
               <a:rPr lang="en-GB" smtClean="0"/>
-              <a:t>19/09/2018</a:t>
+              <a:t>20/09/2018</a:t>
             </a:fld>
             <a:endParaRPr lang="en-GB"/>
           </a:p>
@@ -2614,7 +2620,7 @@
           <a:p>
             <a:fld id="{CC144F80-0FE3-4DEC-803A-5C2CCDD2908F}" type="datetimeFigureOut">
               <a:rPr lang="en-GB" smtClean="0"/>
-              <a:t>19/09/2018</a:t>
+              <a:t>20/09/2018</a:t>
             </a:fld>
             <a:endParaRPr lang="en-GB"/>
           </a:p>
@@ -2794,7 +2800,7 @@
           <a:p>
             <a:fld id="{CC144F80-0FE3-4DEC-803A-5C2CCDD2908F}" type="datetimeFigureOut">
               <a:rPr lang="en-GB" smtClean="0"/>
-              <a:t>19/09/2018</a:t>
+              <a:t>20/09/2018</a:t>
             </a:fld>
             <a:endParaRPr lang="en-GB"/>
           </a:p>
@@ -2970,7 +2976,7 @@
           <a:p>
             <a:fld id="{CC144F80-0FE3-4DEC-803A-5C2CCDD2908F}" type="datetimeFigureOut">
               <a:rPr lang="en-GB" smtClean="0"/>
-              <a:t>19/09/2018</a:t>
+              <a:t>20/09/2018</a:t>
             </a:fld>
             <a:endParaRPr lang="en-GB"/>
           </a:p>
@@ -3217,7 +3223,7 @@
           <a:p>
             <a:fld id="{CC144F80-0FE3-4DEC-803A-5C2CCDD2908F}" type="datetimeFigureOut">
               <a:rPr lang="en-GB" smtClean="0"/>
-              <a:t>19/09/2018</a:t>
+              <a:t>20/09/2018</a:t>
             </a:fld>
             <a:endParaRPr lang="en-GB"/>
           </a:p>
@@ -3449,7 +3455,7 @@
           <a:p>
             <a:fld id="{CC144F80-0FE3-4DEC-803A-5C2CCDD2908F}" type="datetimeFigureOut">
               <a:rPr lang="en-GB" smtClean="0"/>
-              <a:t>19/09/2018</a:t>
+              <a:t>20/09/2018</a:t>
             </a:fld>
             <a:endParaRPr lang="en-GB"/>
           </a:p>
@@ -3823,7 +3829,7 @@
           <a:p>
             <a:fld id="{CC144F80-0FE3-4DEC-803A-5C2CCDD2908F}" type="datetimeFigureOut">
               <a:rPr lang="en-GB" smtClean="0"/>
-              <a:t>19/09/2018</a:t>
+              <a:t>20/09/2018</a:t>
             </a:fld>
             <a:endParaRPr lang="en-GB"/>
           </a:p>
@@ -3946,7 +3952,7 @@
           <a:p>
             <a:fld id="{CC144F80-0FE3-4DEC-803A-5C2CCDD2908F}" type="datetimeFigureOut">
               <a:rPr lang="en-GB" smtClean="0"/>
-              <a:t>19/09/2018</a:t>
+              <a:t>20/09/2018</a:t>
             </a:fld>
             <a:endParaRPr lang="en-GB"/>
           </a:p>
@@ -4041,7 +4047,7 @@
           <a:p>
             <a:fld id="{CC144F80-0FE3-4DEC-803A-5C2CCDD2908F}" type="datetimeFigureOut">
               <a:rPr lang="en-GB" smtClean="0"/>
-              <a:t>19/09/2018</a:t>
+              <a:t>20/09/2018</a:t>
             </a:fld>
             <a:endParaRPr lang="en-GB"/>
           </a:p>
@@ -4296,7 +4302,7 @@
           <a:p>
             <a:fld id="{CC144F80-0FE3-4DEC-803A-5C2CCDD2908F}" type="datetimeFigureOut">
               <a:rPr lang="en-GB" smtClean="0"/>
-              <a:t>19/09/2018</a:t>
+              <a:t>20/09/2018</a:t>
             </a:fld>
             <a:endParaRPr lang="en-GB"/>
           </a:p>
@@ -4559,7 +4565,7 @@
           <a:p>
             <a:fld id="{CC144F80-0FE3-4DEC-803A-5C2CCDD2908F}" type="datetimeFigureOut">
               <a:rPr lang="en-GB" smtClean="0"/>
-              <a:t>19/09/2018</a:t>
+              <a:t>20/09/2018</a:t>
             </a:fld>
             <a:endParaRPr lang="en-GB"/>
           </a:p>
@@ -5302,7 +5308,7 @@
           <a:p>
             <a:fld id="{CC144F80-0FE3-4DEC-803A-5C2CCDD2908F}" type="datetimeFigureOut">
               <a:rPr lang="en-GB" smtClean="0"/>
-              <a:t>19/09/2018</a:t>
+              <a:t>20/09/2018</a:t>
             </a:fld>
             <a:endParaRPr lang="en-GB"/>
           </a:p>
@@ -6260,6 +6266,216 @@
 </p:sld>
 </file>
 
+<file path=ppt/slides/slide4.xml><?xml version="1.0" encoding="utf-8"?>
+<p:sld xmlns:a="http://schemas.openxmlformats.org/drawingml/2006/main" xmlns:r="http://schemas.openxmlformats.org/officeDocument/2006/relationships" xmlns:p="http://schemas.openxmlformats.org/presentationml/2006/main">
+  <p:cSld>
+    <p:spTree>
+      <p:nvGrpSpPr>
+        <p:cNvPr id="1" name=""/>
+        <p:cNvGrpSpPr/>
+        <p:nvPr/>
+      </p:nvGrpSpPr>
+      <p:grpSpPr>
+        <a:xfrm>
+          <a:off x="0" y="0"/>
+          <a:ext cx="0" cy="0"/>
+          <a:chOff x="0" y="0"/>
+          <a:chExt cx="0" cy="0"/>
+        </a:xfrm>
+      </p:grpSpPr>
+      <p:sp>
+        <p:nvSpPr>
+          <p:cNvPr id="2" name="Title 1">
+            <a:extLst>
+              <a:ext uri="{FF2B5EF4-FFF2-40B4-BE49-F238E27FC236}">
+                <a16:creationId xmlns:a16="http://schemas.microsoft.com/office/drawing/2014/main" id="{8CC9234C-5775-4C3E-B3A7-E65143DDBD80}"/>
+              </a:ext>
+            </a:extLst>
+          </p:cNvPr>
+          <p:cNvSpPr>
+            <a:spLocks noGrp="1"/>
+          </p:cNvSpPr>
+          <p:nvPr>
+            <p:ph type="title"/>
+          </p:nvPr>
+        </p:nvSpPr>
+        <p:spPr/>
+        <p:txBody>
+          <a:bodyPr/>
+          <a:lstStyle/>
+          <a:p>
+            <a:r>
+              <a:rPr lang="en-GB" dirty="0"/>
+              <a:t>What Is Concept Art And Animation.</a:t>
+            </a:r>
+          </a:p>
+        </p:txBody>
+      </p:sp>
+      <p:sp>
+        <p:nvSpPr>
+          <p:cNvPr id="3" name="Text Placeholder 2">
+            <a:extLst>
+              <a:ext uri="{FF2B5EF4-FFF2-40B4-BE49-F238E27FC236}">
+                <a16:creationId xmlns:a16="http://schemas.microsoft.com/office/drawing/2014/main" id="{9A1D0600-7547-41E2-94AF-C985A8998F71}"/>
+              </a:ext>
+            </a:extLst>
+          </p:cNvPr>
+          <p:cNvSpPr>
+            <a:spLocks noGrp="1"/>
+          </p:cNvSpPr>
+          <p:nvPr>
+            <p:ph type="body" idx="1"/>
+          </p:nvPr>
+        </p:nvSpPr>
+        <p:spPr/>
+        <p:txBody>
+          <a:bodyPr/>
+          <a:lstStyle/>
+          <a:p>
+            <a:r>
+              <a:rPr lang="en-GB" dirty="0"/>
+              <a:t>Concept Art</a:t>
+            </a:r>
+          </a:p>
+        </p:txBody>
+      </p:sp>
+      <p:sp>
+        <p:nvSpPr>
+          <p:cNvPr id="4" name="Content Placeholder 3">
+            <a:extLst>
+              <a:ext uri="{FF2B5EF4-FFF2-40B4-BE49-F238E27FC236}">
+                <a16:creationId xmlns:a16="http://schemas.microsoft.com/office/drawing/2014/main" id="{A68E6338-5FE8-4F9A-8966-A796450C7B18}"/>
+              </a:ext>
+            </a:extLst>
+          </p:cNvPr>
+          <p:cNvSpPr>
+            <a:spLocks noGrp="1"/>
+          </p:cNvSpPr>
+          <p:nvPr>
+            <p:ph sz="half" idx="2"/>
+          </p:nvPr>
+        </p:nvSpPr>
+        <p:spPr/>
+        <p:txBody>
+          <a:bodyPr>
+            <a:normAutofit fontScale="85000" lnSpcReduction="20000"/>
+          </a:bodyPr>
+          <a:lstStyle/>
+          <a:p>
+            <a:r>
+              <a:rPr lang="en-GB" dirty="0"/>
+              <a:t>The concept art in a games company is to plan and develop designs for the game.</a:t>
+            </a:r>
+          </a:p>
+          <a:p>
+            <a:r>
+              <a:rPr lang="en-GB" dirty="0"/>
+              <a:t>These designs could be anything from character designs and environments, to models which are used just to enhance the detailing to a level.</a:t>
+            </a:r>
+          </a:p>
+          <a:p>
+            <a:r>
+              <a:rPr lang="en-GB" dirty="0"/>
+              <a:t>Concept artists will be given job, sketches are produce then refined. Once finalized, designs will be sent to 3d modellers to get further implemented into the game.</a:t>
+            </a:r>
+          </a:p>
+          <a:p>
+            <a:r>
+              <a:rPr lang="en-GB" dirty="0"/>
+              <a:t>Concepts are used to help create animations in the form of a storyboard of simple sketches, time stamps and notes on motions. (Continued)</a:t>
+            </a:r>
+          </a:p>
+        </p:txBody>
+      </p:sp>
+      <p:sp>
+        <p:nvSpPr>
+          <p:cNvPr id="5" name="Text Placeholder 4">
+            <a:extLst>
+              <a:ext uri="{FF2B5EF4-FFF2-40B4-BE49-F238E27FC236}">
+                <a16:creationId xmlns:a16="http://schemas.microsoft.com/office/drawing/2014/main" id="{0DE6CAFE-2A4D-42F0-8881-E9F1164FDBE3}"/>
+              </a:ext>
+            </a:extLst>
+          </p:cNvPr>
+          <p:cNvSpPr>
+            <a:spLocks noGrp="1"/>
+          </p:cNvSpPr>
+          <p:nvPr>
+            <p:ph type="body" sz="quarter" idx="3"/>
+          </p:nvPr>
+        </p:nvSpPr>
+        <p:spPr/>
+        <p:txBody>
+          <a:bodyPr/>
+          <a:lstStyle/>
+          <a:p>
+            <a:r>
+              <a:rPr lang="en-GB" dirty="0"/>
+              <a:t>Animation</a:t>
+            </a:r>
+          </a:p>
+        </p:txBody>
+      </p:sp>
+      <p:sp>
+        <p:nvSpPr>
+          <p:cNvPr id="6" name="Content Placeholder 5">
+            <a:extLst>
+              <a:ext uri="{FF2B5EF4-FFF2-40B4-BE49-F238E27FC236}">
+                <a16:creationId xmlns:a16="http://schemas.microsoft.com/office/drawing/2014/main" id="{9CBD7740-1CA3-4B8E-9E04-EE77BBAAF22D}"/>
+              </a:ext>
+            </a:extLst>
+          </p:cNvPr>
+          <p:cNvSpPr>
+            <a:spLocks noGrp="1"/>
+          </p:cNvSpPr>
+          <p:nvPr>
+            <p:ph sz="quarter" idx="4"/>
+          </p:nvPr>
+        </p:nvSpPr>
+        <p:spPr/>
+        <p:txBody>
+          <a:bodyPr>
+            <a:normAutofit fontScale="85000" lnSpcReduction="20000"/>
+          </a:bodyPr>
+          <a:lstStyle/>
+          <a:p>
+            <a:r>
+              <a:rPr lang="en-GB" dirty="0"/>
+              <a:t>(Continues) Animators then further develop the animation, if a 2d animation, into a key animation before in-between frames are inserted to produce a smooth final product.</a:t>
+            </a:r>
+          </a:p>
+          <a:p>
+            <a:r>
+              <a:rPr lang="en-GB" dirty="0"/>
+              <a:t>The animations in a games company is to produce animations for the game.</a:t>
+            </a:r>
+          </a:p>
+          <a:p>
+            <a:r>
+              <a:rPr lang="en-GB" dirty="0"/>
+              <a:t>Their job, whether it be 2d or 3d, is to produce animations that’ll help bring the game to life.</a:t>
+            </a:r>
+          </a:p>
+          <a:p>
+            <a:r>
+              <a:rPr lang="en-GB" dirty="0"/>
+              <a:t>Animation can be used to signify an action, amplify the story, it can also be used to enhance the environment to help immerse the player.</a:t>
+            </a:r>
+          </a:p>
+        </p:txBody>
+      </p:sp>
+    </p:spTree>
+    <p:extLst>
+      <p:ext uri="{BB962C8B-B14F-4D97-AF65-F5344CB8AC3E}">
+        <p14:creationId xmlns:p14="http://schemas.microsoft.com/office/powerpoint/2010/main" val="1574344848"/>
+      </p:ext>
+    </p:extLst>
+  </p:cSld>
+  <p:clrMapOvr>
+    <a:masterClrMapping/>
+  </p:clrMapOvr>
+</p:sld>
+</file>
+
 <file path=ppt/theme/theme1.xml><?xml version="1.0" encoding="utf-8"?>
 <a:theme xmlns:a="http://schemas.openxmlformats.org/drawingml/2006/main" name="Facet">
   <a:themeElements>
